--- a/University/UNH Fall 2019/General/MIFP/Rocket Lab Trinkets.pptx
+++ b/University/UNH Fall 2019/General/MIFP/Rocket Lab Trinkets.pptx
@@ -6036,42 +6036,12 @@
       </p:grpSpPr>
       <p:pic>
         <p:nvPicPr>
-          <p:cNvPr id="6" name="Picture 5" descr="An office with a desk and chair in a room&#10;&#10;Description automatically generated">
-            <a:extLst>
-              <a:ext uri="{FF2B5EF4-FFF2-40B4-BE49-F238E27FC236}">
-                <a16:creationId xmlns:a16="http://schemas.microsoft.com/office/drawing/2014/main" id="{4E958EE8-0A4B-42EF-99B2-F740201AABC4}"/>
-              </a:ext>
-            </a:extLst>
-          </p:cNvPr>
-          <p:cNvPicPr>
-            <a:picLocks noChangeAspect="1"/>
-          </p:cNvPicPr>
-          <p:nvPr/>
-        </p:nvPicPr>
-        <p:blipFill>
-          <a:blip r:embed="rId3"/>
-          <a:stretch>
-            <a:fillRect/>
-          </a:stretch>
-        </p:blipFill>
-        <p:spPr>
-          <a:xfrm>
-            <a:off x="1581904" y="918066"/>
-            <a:ext cx="5980189" cy="3363857"/>
-          </a:xfrm>
-          <a:prstGeom prst="rect">
-            <a:avLst/>
-          </a:prstGeom>
-        </p:spPr>
-      </p:pic>
-      <p:pic>
-        <p:nvPicPr>
           <p:cNvPr id="54" name="Google Shape;54;p13"/>
           <p:cNvPicPr preferRelativeResize="0"/>
           <p:nvPr/>
         </p:nvPicPr>
         <p:blipFill>
-          <a:blip r:embed="rId4">
+          <a:blip r:embed="rId3">
             <a:alphaModFix/>
           </a:blip>
           <a:stretch>
@@ -6147,162 +6117,213 @@
           </a:p>
         </p:txBody>
       </p:sp>
-      <p:sp>
-        <p:nvSpPr>
-          <p:cNvPr id="7" name="Oval 6">
+      <p:grpSp>
+        <p:nvGrpSpPr>
+          <p:cNvPr id="3" name="Group 2">
             <a:extLst>
               <a:ext uri="{FF2B5EF4-FFF2-40B4-BE49-F238E27FC236}">
-                <a16:creationId xmlns:a16="http://schemas.microsoft.com/office/drawing/2014/main" id="{E74BE63E-821F-4F59-A3D6-1701CC728F09}"/>
+                <a16:creationId xmlns:a16="http://schemas.microsoft.com/office/drawing/2014/main" id="{DECB7A28-01E2-4535-9ABA-C3376637B975}"/>
               </a:ext>
             </a:extLst>
           </p:cNvPr>
-          <p:cNvSpPr/>
+          <p:cNvGrpSpPr/>
           <p:nvPr/>
-        </p:nvSpPr>
-        <p:spPr>
+        </p:nvGrpSpPr>
+        <p:grpSpPr>
           <a:xfrm>
-            <a:off x="2682240" y="2476500"/>
-            <a:ext cx="876300" cy="689610"/>
+            <a:off x="1788152" y="1137600"/>
+            <a:ext cx="5567696" cy="3137123"/>
+            <a:chOff x="1581904" y="918066"/>
+            <a:chExt cx="5980189" cy="3363857"/>
           </a:xfrm>
-          <a:prstGeom prst="ellipse">
-            <a:avLst/>
-          </a:prstGeom>
-          <a:noFill/>
-          <a:ln>
-            <a:solidFill>
-              <a:srgbClr val="FF0000"/>
-            </a:solidFill>
-          </a:ln>
-        </p:spPr>
-        <p:style>
-          <a:lnRef idx="2">
-            <a:schemeClr val="accent1">
-              <a:shade val="50000"/>
-            </a:schemeClr>
-          </a:lnRef>
-          <a:fillRef idx="1">
-            <a:schemeClr val="accent1"/>
-          </a:fillRef>
-          <a:effectRef idx="0">
-            <a:schemeClr val="accent1"/>
-          </a:effectRef>
-          <a:fontRef idx="minor">
-            <a:schemeClr val="lt1"/>
-          </a:fontRef>
-        </p:style>
-        <p:txBody>
-          <a:bodyPr rtlCol="0" anchor="ctr"/>
-          <a:lstStyle/>
-          <a:p>
-            <a:pPr algn="ctr"/>
-            <a:endParaRPr lang="en-US"/>
-          </a:p>
-        </p:txBody>
-      </p:sp>
-      <p:sp>
-        <p:nvSpPr>
-          <p:cNvPr id="13" name="Oval 12">
-            <a:extLst>
-              <a:ext uri="{FF2B5EF4-FFF2-40B4-BE49-F238E27FC236}">
-                <a16:creationId xmlns:a16="http://schemas.microsoft.com/office/drawing/2014/main" id="{E6506857-69EA-4A18-9AEC-E4C1587F74A5}"/>
-              </a:ext>
-            </a:extLst>
-          </p:cNvPr>
-          <p:cNvSpPr/>
-          <p:nvPr/>
-        </p:nvSpPr>
-        <p:spPr>
-          <a:xfrm>
-            <a:off x="3558540" y="2476500"/>
-            <a:ext cx="876300" cy="689610"/>
-          </a:xfrm>
-          <a:prstGeom prst="ellipse">
-            <a:avLst/>
-          </a:prstGeom>
-          <a:noFill/>
-          <a:ln>
-            <a:solidFill>
-              <a:srgbClr val="FF0000"/>
-            </a:solidFill>
-          </a:ln>
-        </p:spPr>
-        <p:style>
-          <a:lnRef idx="2">
-            <a:schemeClr val="accent1">
-              <a:shade val="50000"/>
-            </a:schemeClr>
-          </a:lnRef>
-          <a:fillRef idx="1">
-            <a:schemeClr val="accent1"/>
-          </a:fillRef>
-          <a:effectRef idx="0">
-            <a:schemeClr val="accent1"/>
-          </a:effectRef>
-          <a:fontRef idx="minor">
-            <a:schemeClr val="lt1"/>
-          </a:fontRef>
-        </p:style>
-        <p:txBody>
-          <a:bodyPr rtlCol="0" anchor="ctr"/>
-          <a:lstStyle/>
-          <a:p>
-            <a:pPr algn="ctr"/>
-            <a:endParaRPr lang="en-US"/>
-          </a:p>
-        </p:txBody>
-      </p:sp>
-      <p:sp>
-        <p:nvSpPr>
-          <p:cNvPr id="14" name="Oval 13">
-            <a:extLst>
-              <a:ext uri="{FF2B5EF4-FFF2-40B4-BE49-F238E27FC236}">
-                <a16:creationId xmlns:a16="http://schemas.microsoft.com/office/drawing/2014/main" id="{91C87D08-5AC5-4ABC-8925-B5E5EB053CD3}"/>
-              </a:ext>
-            </a:extLst>
-          </p:cNvPr>
-          <p:cNvSpPr/>
-          <p:nvPr/>
-        </p:nvSpPr>
-        <p:spPr>
-          <a:xfrm>
-            <a:off x="5733296" y="1981200"/>
-            <a:ext cx="1341120" cy="1344021"/>
-          </a:xfrm>
-          <a:prstGeom prst="ellipse">
-            <a:avLst/>
-          </a:prstGeom>
-          <a:noFill/>
-          <a:ln>
-            <a:solidFill>
-              <a:srgbClr val="FF0000"/>
-            </a:solidFill>
-          </a:ln>
-        </p:spPr>
-        <p:style>
-          <a:lnRef idx="2">
-            <a:schemeClr val="accent1">
-              <a:shade val="50000"/>
-            </a:schemeClr>
-          </a:lnRef>
-          <a:fillRef idx="1">
-            <a:schemeClr val="accent1"/>
-          </a:fillRef>
-          <a:effectRef idx="0">
-            <a:schemeClr val="accent1"/>
-          </a:effectRef>
-          <a:fontRef idx="minor">
-            <a:schemeClr val="lt1"/>
-          </a:fontRef>
-        </p:style>
-        <p:txBody>
-          <a:bodyPr rtlCol="0" anchor="ctr"/>
-          <a:lstStyle/>
-          <a:p>
-            <a:pPr algn="ctr"/>
-            <a:endParaRPr lang="en-US" dirty="0"/>
-          </a:p>
-        </p:txBody>
-      </p:sp>
+        </p:grpSpPr>
+        <p:pic>
+          <p:nvPicPr>
+            <p:cNvPr id="6" name="Picture 5" descr="An office with a desk and chair in a room&#10;&#10;Description automatically generated">
+              <a:extLst>
+                <a:ext uri="{FF2B5EF4-FFF2-40B4-BE49-F238E27FC236}">
+                  <a16:creationId xmlns:a16="http://schemas.microsoft.com/office/drawing/2014/main" id="{4E958EE8-0A4B-42EF-99B2-F740201AABC4}"/>
+                </a:ext>
+              </a:extLst>
+            </p:cNvPr>
+            <p:cNvPicPr>
+              <a:picLocks noChangeAspect="1"/>
+            </p:cNvPicPr>
+            <p:nvPr/>
+          </p:nvPicPr>
+          <p:blipFill>
+            <a:blip r:embed="rId4"/>
+            <a:stretch>
+              <a:fillRect/>
+            </a:stretch>
+          </p:blipFill>
+          <p:spPr>
+            <a:xfrm>
+              <a:off x="1581904" y="918066"/>
+              <a:ext cx="5980189" cy="3363857"/>
+            </a:xfrm>
+            <a:prstGeom prst="rect">
+              <a:avLst/>
+            </a:prstGeom>
+          </p:spPr>
+        </p:pic>
+        <p:sp>
+          <p:nvSpPr>
+            <p:cNvPr id="7" name="Oval 6">
+              <a:extLst>
+                <a:ext uri="{FF2B5EF4-FFF2-40B4-BE49-F238E27FC236}">
+                  <a16:creationId xmlns:a16="http://schemas.microsoft.com/office/drawing/2014/main" id="{E74BE63E-821F-4F59-A3D6-1701CC728F09}"/>
+                </a:ext>
+              </a:extLst>
+            </p:cNvPr>
+            <p:cNvSpPr/>
+            <p:nvPr/>
+          </p:nvSpPr>
+          <p:spPr>
+            <a:xfrm>
+              <a:off x="2682240" y="2476500"/>
+              <a:ext cx="876300" cy="689610"/>
+            </a:xfrm>
+            <a:prstGeom prst="ellipse">
+              <a:avLst/>
+            </a:prstGeom>
+            <a:noFill/>
+            <a:ln>
+              <a:solidFill>
+                <a:srgbClr val="FF0000"/>
+              </a:solidFill>
+            </a:ln>
+          </p:spPr>
+          <p:style>
+            <a:lnRef idx="2">
+              <a:schemeClr val="accent1">
+                <a:shade val="50000"/>
+              </a:schemeClr>
+            </a:lnRef>
+            <a:fillRef idx="1">
+              <a:schemeClr val="accent1"/>
+            </a:fillRef>
+            <a:effectRef idx="0">
+              <a:schemeClr val="accent1"/>
+            </a:effectRef>
+            <a:fontRef idx="minor">
+              <a:schemeClr val="lt1"/>
+            </a:fontRef>
+          </p:style>
+          <p:txBody>
+            <a:bodyPr rtlCol="0" anchor="ctr"/>
+            <a:lstStyle/>
+            <a:p>
+              <a:pPr algn="ctr"/>
+              <a:endParaRPr lang="en-US"/>
+            </a:p>
+          </p:txBody>
+        </p:sp>
+        <p:sp>
+          <p:nvSpPr>
+            <p:cNvPr id="13" name="Oval 12">
+              <a:extLst>
+                <a:ext uri="{FF2B5EF4-FFF2-40B4-BE49-F238E27FC236}">
+                  <a16:creationId xmlns:a16="http://schemas.microsoft.com/office/drawing/2014/main" id="{E6506857-69EA-4A18-9AEC-E4C1587F74A5}"/>
+                </a:ext>
+              </a:extLst>
+            </p:cNvPr>
+            <p:cNvSpPr/>
+            <p:nvPr/>
+          </p:nvSpPr>
+          <p:spPr>
+            <a:xfrm>
+              <a:off x="3558540" y="2476500"/>
+              <a:ext cx="876300" cy="689610"/>
+            </a:xfrm>
+            <a:prstGeom prst="ellipse">
+              <a:avLst/>
+            </a:prstGeom>
+            <a:noFill/>
+            <a:ln>
+              <a:solidFill>
+                <a:srgbClr val="FF0000"/>
+              </a:solidFill>
+            </a:ln>
+          </p:spPr>
+          <p:style>
+            <a:lnRef idx="2">
+              <a:schemeClr val="accent1">
+                <a:shade val="50000"/>
+              </a:schemeClr>
+            </a:lnRef>
+            <a:fillRef idx="1">
+              <a:schemeClr val="accent1"/>
+            </a:fillRef>
+            <a:effectRef idx="0">
+              <a:schemeClr val="accent1"/>
+            </a:effectRef>
+            <a:fontRef idx="minor">
+              <a:schemeClr val="lt1"/>
+            </a:fontRef>
+          </p:style>
+          <p:txBody>
+            <a:bodyPr rtlCol="0" anchor="ctr"/>
+            <a:lstStyle/>
+            <a:p>
+              <a:pPr algn="ctr"/>
+              <a:endParaRPr lang="en-US"/>
+            </a:p>
+          </p:txBody>
+        </p:sp>
+        <p:sp>
+          <p:nvSpPr>
+            <p:cNvPr id="14" name="Oval 13">
+              <a:extLst>
+                <a:ext uri="{FF2B5EF4-FFF2-40B4-BE49-F238E27FC236}">
+                  <a16:creationId xmlns:a16="http://schemas.microsoft.com/office/drawing/2014/main" id="{91C87D08-5AC5-4ABC-8925-B5E5EB053CD3}"/>
+                </a:ext>
+              </a:extLst>
+            </p:cNvPr>
+            <p:cNvSpPr/>
+            <p:nvPr/>
+          </p:nvSpPr>
+          <p:spPr>
+            <a:xfrm>
+              <a:off x="5733296" y="1981200"/>
+              <a:ext cx="1341120" cy="1344021"/>
+            </a:xfrm>
+            <a:prstGeom prst="ellipse">
+              <a:avLst/>
+            </a:prstGeom>
+            <a:noFill/>
+            <a:ln>
+              <a:solidFill>
+                <a:srgbClr val="FF0000"/>
+              </a:solidFill>
+            </a:ln>
+          </p:spPr>
+          <p:style>
+            <a:lnRef idx="2">
+              <a:schemeClr val="accent1">
+                <a:shade val="50000"/>
+              </a:schemeClr>
+            </a:lnRef>
+            <a:fillRef idx="1">
+              <a:schemeClr val="accent1"/>
+            </a:fillRef>
+            <a:effectRef idx="0">
+              <a:schemeClr val="accent1"/>
+            </a:effectRef>
+            <a:fontRef idx="minor">
+              <a:schemeClr val="lt1"/>
+            </a:fontRef>
+          </p:style>
+          <p:txBody>
+            <a:bodyPr rtlCol="0" anchor="ctr"/>
+            <a:lstStyle/>
+            <a:p>
+              <a:pPr algn="ctr"/>
+              <a:endParaRPr lang="en-US" dirty="0"/>
+            </a:p>
+          </p:txBody>
+        </p:sp>
+      </p:grpSp>
     </p:spTree>
   </p:cSld>
   <p:clrMapOvr>
@@ -6584,8 +6605,8 @@
         </p:blipFill>
         <p:spPr bwMode="auto">
           <a:xfrm>
-            <a:off x="2286000" y="1899071"/>
-            <a:ext cx="4572000" cy="2408767"/>
+            <a:off x="2395800" y="2021968"/>
+            <a:ext cx="4352400" cy="2293070"/>
           </a:xfrm>
           <a:prstGeom prst="rect">
             <a:avLst/>
@@ -6617,7 +6638,7 @@
         <p:spPr>
           <a:xfrm>
             <a:off x="1120140" y="266700"/>
-            <a:ext cx="6903720" cy="1908215"/>
+            <a:ext cx="6903720" cy="2123658"/>
           </a:xfrm>
           <a:prstGeom prst="rect">
             <a:avLst/>
@@ -6662,7 +6683,7 @@
                 <a:latin typeface="Times New Roman" panose="02020603050405020304" pitchFamily="18" charset="0"/>
                 <a:cs typeface="Times New Roman" panose="02020603050405020304" pitchFamily="18" charset="0"/>
               </a:rPr>
-              <a:t>Project RUNAWAY was developed initially during the 2018-2019 school year. With a group of 6 Mechanical Engineering seniors and the preexisting members of UNH SEDS, we hot fire tested the engine 4 times. Our cold and hot fire tests are showcased on our website along with additional information on the project</a:t>
+              <a:t>Project RUNAWAY was developed initially during the 2018-2019 school year. With a group of 6 Mechanical Engineering seniors and the preexisting members of UNH SEDS, we hot fire tested the engine 4 times. Personally, I directed 2 of these hot fire tests and assisted the senior team in the design and analysis of our engine. The cold and hot fire tests are showcased on our website along with additional information on the project</a:t>
             </a:r>
             <a:r>
               <a:rPr lang="en-US" dirty="0">
@@ -6877,8 +6898,8 @@
         </p:nvSpPr>
         <p:spPr>
           <a:xfrm>
-            <a:off x="541021" y="1003875"/>
-            <a:ext cx="4640580" cy="2985433"/>
+            <a:off x="541021" y="831567"/>
+            <a:ext cx="4640580" cy="3416320"/>
           </a:xfrm>
           <a:prstGeom prst="rect">
             <a:avLst/>
@@ -6923,7 +6944,7 @@
                 <a:latin typeface="Times New Roman" panose="02020603050405020304" pitchFamily="18" charset="0"/>
                 <a:cs typeface="Times New Roman" panose="02020603050405020304" pitchFamily="18" charset="0"/>
               </a:rPr>
-              <a:t>Although a commercial off the shelf part, these bottles represent UNH SEDS’ growth over the past few years. Our fundraising efforts have rewarded us with an oxidizer tank that is lighter and more compact. This advantage comes in the form of a 12 lbs. 4 oz reduction in total weight while only sacrificing 3 lbs. 3 oz of oxidizer. The blue Nitrous tank will remain our hot fire testing tank with the Carbon Fiber wrapped tank being used in our final rocket.   </a:t>
+              <a:t>Although a commercial off the shelf part, these bottles represent UNH SEDS’ growth over the past few years. Our fundraising efforts have rewarded us with an oxidizer tank that is lighter and more compact. This advantage comes in the form of a 12 lbs. 4 oz reduction in total weight while only sacrificing 3 lbs. 3 oz of oxidizer. The blue Nitrous tank will remain our hot fire testing tank with the Carbon Fiber wrapped tank being used in our final rocket. As the lead frame engineer, any reduction in weight to our rocket and motivating the team to raise these funds was critical.  </a:t>
             </a:r>
           </a:p>
           <a:p>
@@ -7050,8 +7071,8 @@
         </p:nvSpPr>
         <p:spPr>
           <a:xfrm>
-            <a:off x="2346960" y="533400"/>
-            <a:ext cx="4945380" cy="4185761"/>
+            <a:off x="1580280" y="694313"/>
+            <a:ext cx="5983440" cy="3754874"/>
           </a:xfrm>
           <a:prstGeom prst="rect">
             <a:avLst/>
